--- a/template.pptx
+++ b/template.pptx
@@ -282,7 +282,7 @@
               <a:pPr>
                 <a:defRPr/>
               </a:pPr>
-              <a:t>2017/12/23</a:t>
+              <a:t>2017/12/29</a:t>
             </a:fld>
             <a:endParaRPr lang="zh-TW" altLang="en-US"/>
           </a:p>
@@ -1488,7 +1488,7 @@
               <a:pPr>
                 <a:defRPr/>
               </a:pPr>
-              <a:t>2017/12/23</a:t>
+              <a:t>2017/12/29</a:t>
             </a:fld>
             <a:endParaRPr lang="zh-TW" altLang="en-US"/>
           </a:p>
@@ -1680,7 +1680,7 @@
               <a:pPr>
                 <a:defRPr/>
               </a:pPr>
-              <a:t>2017/12/23</a:t>
+              <a:t>2017/12/29</a:t>
             </a:fld>
             <a:endParaRPr lang="zh-TW" altLang="en-US"/>
           </a:p>
@@ -1882,7 +1882,7 @@
               <a:pPr>
                 <a:defRPr/>
               </a:pPr>
-              <a:t>2017/12/23</a:t>
+              <a:t>2017/12/29</a:t>
             </a:fld>
             <a:endParaRPr lang="zh-TW" altLang="en-US"/>
           </a:p>
@@ -2074,7 +2074,7 @@
               <a:pPr>
                 <a:defRPr/>
               </a:pPr>
-              <a:t>2017/12/23</a:t>
+              <a:t>2017/12/29</a:t>
             </a:fld>
             <a:endParaRPr lang="zh-TW" altLang="en-US"/>
           </a:p>
@@ -2342,7 +2342,7 @@
               <a:pPr>
                 <a:defRPr/>
               </a:pPr>
-              <a:t>2017/12/23</a:t>
+              <a:t>2017/12/29</a:t>
             </a:fld>
             <a:endParaRPr lang="zh-TW" altLang="en-US"/>
           </a:p>
@@ -2652,7 +2652,7 @@
               <a:pPr>
                 <a:defRPr/>
               </a:pPr>
-              <a:t>2017/12/23</a:t>
+              <a:t>2017/12/29</a:t>
             </a:fld>
             <a:endParaRPr lang="zh-TW" altLang="en-US"/>
           </a:p>
@@ -3096,7 +3096,7 @@
               <a:pPr>
                 <a:defRPr/>
               </a:pPr>
-              <a:t>2017/12/23</a:t>
+              <a:t>2017/12/29</a:t>
             </a:fld>
             <a:endParaRPr lang="zh-TW" altLang="en-US"/>
           </a:p>
@@ -3236,7 +3236,7 @@
               <a:pPr>
                 <a:defRPr/>
               </a:pPr>
-              <a:t>2017/12/23</a:t>
+              <a:t>2017/12/29</a:t>
             </a:fld>
             <a:endParaRPr lang="zh-TW" altLang="en-US"/>
           </a:p>
@@ -3353,7 +3353,7 @@
               <a:pPr>
                 <a:defRPr/>
               </a:pPr>
-              <a:t>2017/12/23</a:t>
+              <a:t>2017/12/29</a:t>
             </a:fld>
             <a:endParaRPr lang="zh-TW" altLang="en-US"/>
           </a:p>
@@ -3652,7 +3652,7 @@
               <a:pPr>
                 <a:defRPr/>
               </a:pPr>
-              <a:t>2017/12/23</a:t>
+              <a:t>2017/12/29</a:t>
             </a:fld>
             <a:endParaRPr lang="zh-TW" altLang="en-US"/>
           </a:p>
@@ -3930,7 +3930,7 @@
               <a:pPr>
                 <a:defRPr/>
               </a:pPr>
-              <a:t>2017/12/23</a:t>
+              <a:t>2017/12/29</a:t>
             </a:fld>
             <a:endParaRPr lang="zh-TW" altLang="en-US"/>
           </a:p>
@@ -4189,7 +4189,7 @@
               <a:pPr>
                 <a:defRPr/>
               </a:pPr>
-              <a:t>2017/12/23</a:t>
+              <a:t>2017/12/29</a:t>
             </a:fld>
             <a:endParaRPr lang="zh-TW" altLang="en-US"/>
           </a:p>
@@ -4925,8 +4925,8 @@
         </p:nvSpPr>
         <p:spPr bwMode="auto">
           <a:xfrm>
-            <a:off x="6444208" y="4559301"/>
-            <a:ext cx="2518638" cy="954107"/>
+            <a:off x="7034914" y="4559301"/>
+            <a:ext cx="1337226" cy="523220"/>
           </a:xfrm>
           <a:prstGeom prst="rect">
             <a:avLst/>
@@ -4954,38 +4954,28 @@
                 <a:latin typeface="標楷體" pitchFamily="65" charset="-120"/>
                 <a:ea typeface="標楷體" pitchFamily="65" charset="-120"/>
               </a:rPr>
-              <a:t>提示人</a:t>
-            </a:r>
-            <a:r>
-              <a:rPr kumimoji="0" lang="en-US" altLang="zh-TW" sz="2800" b="1" dirty="0" smtClean="0">
+              <a:t>提示</a:t>
+            </a:r>
+            <a:r>
+              <a:rPr kumimoji="0" lang="zh-TW" altLang="en-US" sz="2800" b="1" smtClean="0">
                 <a:solidFill>
                   <a:srgbClr val="0070C0"/>
                 </a:solidFill>
                 <a:latin typeface="標楷體" pitchFamily="65" charset="-120"/>
                 <a:ea typeface="標楷體" pitchFamily="65" charset="-120"/>
               </a:rPr>
-              <a:t>:</a:t>
-            </a:r>
-            <a:r>
-              <a:rPr kumimoji="0" lang="zh-TW" altLang="en-US" sz="2800" b="1" dirty="0" smtClean="0">
+              <a:t>人</a:t>
+            </a:r>
+            <a:r>
+              <a:rPr kumimoji="0" lang="en-US" altLang="zh-TW" sz="2800" b="1" smtClean="0">
                 <a:solidFill>
                   <a:srgbClr val="0070C0"/>
                 </a:solidFill>
                 <a:latin typeface="標楷體" pitchFamily="65" charset="-120"/>
                 <a:ea typeface="標楷體" pitchFamily="65" charset="-120"/>
               </a:rPr>
-              <a:t>秦國彬</a:t>
-            </a:r>
-            <a:endParaRPr kumimoji="0" lang="en-US" altLang="zh-TW" sz="2800" b="1" dirty="0" smtClean="0">
-              <a:solidFill>
-                <a:srgbClr val="0070C0"/>
-              </a:solidFill>
-              <a:latin typeface="標楷體" pitchFamily="65" charset="-120"/>
-              <a:ea typeface="標楷體" pitchFamily="65" charset="-120"/>
-            </a:endParaRPr>
-          </a:p>
-          <a:p>
-            <a:pPr algn="just"/>
+              <a:t>:</a:t>
+            </a:r>
             <a:endParaRPr kumimoji="0" lang="en-US" altLang="zh-TW" sz="2800" b="1" dirty="0" smtClean="0">
               <a:solidFill>
                 <a:srgbClr val="0070C0"/>
@@ -5028,104 +5018,6 @@
           <a:chExt cx="0" cy="0"/>
         </a:xfrm>
       </p:grpSpPr>
-      <p:sp>
-        <p:nvSpPr>
-          <p:cNvPr id="8194" name="內容版面配置區 2"/>
-          <p:cNvSpPr>
-            <a:spLocks noGrp="1"/>
-          </p:cNvSpPr>
-          <p:nvPr>
-            <p:ph idx="1"/>
-          </p:nvPr>
-        </p:nvSpPr>
-        <p:spPr>
-          <a:xfrm>
-            <a:off x="0" y="492126"/>
-            <a:ext cx="9144000" cy="4095848"/>
-          </a:xfrm>
-        </p:spPr>
-        <p:txBody>
-          <a:bodyPr/>
-          <a:lstStyle/>
-          <a:p>
-            <a:pPr marL="895350" indent="-895350" eaLnBrk="1" hangingPunct="1">
-              <a:spcBef>
-                <a:spcPct val="0"/>
-              </a:spcBef>
-              <a:buNone/>
-            </a:pPr>
-            <a:r>
-              <a:rPr lang="en-US" altLang="zh-TW" sz="2400" dirty="0" smtClean="0">
-                <a:solidFill>
-                  <a:srgbClr val="FF0000"/>
-                </a:solidFill>
-              </a:rPr>
-              <a:t>RCFN</a:t>
-            </a:r>
-          </a:p>
-          <a:p>
-            <a:pPr marL="895350" indent="-895350" eaLnBrk="1" hangingPunct="1">
-              <a:spcBef>
-                <a:spcPct val="0"/>
-              </a:spcBef>
-              <a:buNone/>
-            </a:pPr>
-            <a:r>
-              <a:rPr lang="en-US" altLang="zh-TW" sz="2400" dirty="0" smtClean="0">
-                <a:solidFill>
-                  <a:srgbClr val="FF0000"/>
-                </a:solidFill>
-              </a:rPr>
-              <a:t>RCLY</a:t>
-            </a:r>
-            <a:r>
-              <a:rPr lang="zh-TW" altLang="en-US" sz="2400" dirty="0" smtClean="0">
-                <a:solidFill>
-                  <a:srgbClr val="FF0000"/>
-                </a:solidFill>
-              </a:rPr>
-              <a:t> </a:t>
-            </a:r>
-            <a:endParaRPr lang="en-US" altLang="zh-TW" sz="2400" dirty="0" smtClean="0">
-              <a:solidFill>
-                <a:srgbClr val="FF0000"/>
-              </a:solidFill>
-            </a:endParaRPr>
-          </a:p>
-          <a:p>
-            <a:pPr marL="895350" indent="-895350" eaLnBrk="1" hangingPunct="1">
-              <a:spcBef>
-                <a:spcPct val="0"/>
-              </a:spcBef>
-              <a:buNone/>
-            </a:pPr>
-            <a:r>
-              <a:rPr lang="en-US" altLang="zh-TW" sz="2400" dirty="0" smtClean="0">
-                <a:solidFill>
-                  <a:srgbClr val="FF0000"/>
-                </a:solidFill>
-              </a:rPr>
-              <a:t>RCNN</a:t>
-            </a:r>
-          </a:p>
-          <a:p>
-            <a:pPr marL="895350" indent="-895350" eaLnBrk="1" hangingPunct="1">
-              <a:spcBef>
-                <a:spcPct val="0"/>
-              </a:spcBef>
-              <a:buNone/>
-            </a:pPr>
-            <a:r>
-              <a:rPr lang="en-US" altLang="zh-TW" sz="2400" dirty="0" smtClean="0">
-                <a:solidFill>
-                  <a:srgbClr val="FF0000"/>
-                </a:solidFill>
-              </a:rPr>
-              <a:t>RCQC</a:t>
-            </a:r>
-          </a:p>
-        </p:txBody>
-      </p:sp>
     </p:spTree>
   </p:cSld>
   <p:clrMapOvr>
@@ -8767,75 +8659,6 @@
           <a:chExt cx="0" cy="0"/>
         </a:xfrm>
       </p:grpSpPr>
-      <p:sp>
-        <p:nvSpPr>
-          <p:cNvPr id="7170" name="內容版面配置區 2"/>
-          <p:cNvSpPr>
-            <a:spLocks noGrp="1"/>
-          </p:cNvSpPr>
-          <p:nvPr>
-            <p:ph idx="1"/>
-          </p:nvPr>
-        </p:nvSpPr>
-        <p:spPr>
-          <a:xfrm>
-            <a:off x="0" y="843558"/>
-            <a:ext cx="9144000" cy="4630737"/>
-          </a:xfrm>
-        </p:spPr>
-        <p:txBody>
-          <a:bodyPr/>
-          <a:lstStyle/>
-          <a:p>
-            <a:pPr marL="895350" indent="-895350" eaLnBrk="1" hangingPunct="1">
-              <a:spcBef>
-                <a:spcPct val="0"/>
-              </a:spcBef>
-              <a:buNone/>
-            </a:pPr>
-            <a:r>
-              <a:rPr lang="en-US" altLang="zh-TW" sz="2400" dirty="0" smtClean="0">
-                <a:solidFill>
-                  <a:srgbClr val="FF0000"/>
-                </a:solidFill>
-              </a:rPr>
-              <a:t>RCKH</a:t>
-            </a:r>
-          </a:p>
-          <a:p>
-            <a:pPr marL="895350" indent="-895350" eaLnBrk="1" hangingPunct="1">
-              <a:spcBef>
-                <a:spcPct val="0"/>
-              </a:spcBef>
-              <a:buNone/>
-            </a:pPr>
-            <a:r>
-              <a:rPr lang="en-US" altLang="zh-TW" sz="2400" dirty="0" smtClean="0">
-                <a:solidFill>
-                  <a:srgbClr val="FF0000"/>
-                </a:solidFill>
-              </a:rPr>
-              <a:t>RCBS</a:t>
-            </a:r>
-          </a:p>
-          <a:p>
-            <a:pPr marL="895350" indent="-895350" eaLnBrk="1" hangingPunct="1">
-              <a:spcBef>
-                <a:spcPct val="0"/>
-              </a:spcBef>
-              <a:buNone/>
-            </a:pPr>
-            <a:r>
-              <a:rPr lang="en-US" altLang="zh-TW" sz="2400" dirty="0" smtClean="0">
-                <a:solidFill>
-                  <a:srgbClr val="FF0000"/>
-                </a:solidFill>
-              </a:rPr>
-              <a:t>RCDC</a:t>
-            </a:r>
-          </a:p>
-        </p:txBody>
-      </p:sp>
     </p:spTree>
   </p:cSld>
   <p:clrMapOvr>

--- a/template.pptx
+++ b/template.pptx
@@ -282,7 +282,7 @@
               <a:pPr>
                 <a:defRPr/>
               </a:pPr>
-              <a:t>2017/12/29</a:t>
+              <a:t>2018/1/5</a:t>
             </a:fld>
             <a:endParaRPr lang="zh-TW" altLang="en-US"/>
           </a:p>
@@ -1488,7 +1488,7 @@
               <a:pPr>
                 <a:defRPr/>
               </a:pPr>
-              <a:t>2017/12/29</a:t>
+              <a:t>2018/1/5</a:t>
             </a:fld>
             <a:endParaRPr lang="zh-TW" altLang="en-US"/>
           </a:p>
@@ -1680,7 +1680,7 @@
               <a:pPr>
                 <a:defRPr/>
               </a:pPr>
-              <a:t>2017/12/29</a:t>
+              <a:t>2018/1/5</a:t>
             </a:fld>
             <a:endParaRPr lang="zh-TW" altLang="en-US"/>
           </a:p>
@@ -1882,7 +1882,7 @@
               <a:pPr>
                 <a:defRPr/>
               </a:pPr>
-              <a:t>2017/12/29</a:t>
+              <a:t>2018/1/5</a:t>
             </a:fld>
             <a:endParaRPr lang="zh-TW" altLang="en-US"/>
           </a:p>
@@ -2074,7 +2074,7 @@
               <a:pPr>
                 <a:defRPr/>
               </a:pPr>
-              <a:t>2017/12/29</a:t>
+              <a:t>2018/1/5</a:t>
             </a:fld>
             <a:endParaRPr lang="zh-TW" altLang="en-US"/>
           </a:p>
@@ -2342,7 +2342,7 @@
               <a:pPr>
                 <a:defRPr/>
               </a:pPr>
-              <a:t>2017/12/29</a:t>
+              <a:t>2018/1/5</a:t>
             </a:fld>
             <a:endParaRPr lang="zh-TW" altLang="en-US"/>
           </a:p>
@@ -2652,7 +2652,7 @@
               <a:pPr>
                 <a:defRPr/>
               </a:pPr>
-              <a:t>2017/12/29</a:t>
+              <a:t>2018/1/5</a:t>
             </a:fld>
             <a:endParaRPr lang="zh-TW" altLang="en-US"/>
           </a:p>
@@ -3096,7 +3096,7 @@
               <a:pPr>
                 <a:defRPr/>
               </a:pPr>
-              <a:t>2017/12/29</a:t>
+              <a:t>2018/1/5</a:t>
             </a:fld>
             <a:endParaRPr lang="zh-TW" altLang="en-US"/>
           </a:p>
@@ -3236,7 +3236,7 @@
               <a:pPr>
                 <a:defRPr/>
               </a:pPr>
-              <a:t>2017/12/29</a:t>
+              <a:t>2018/1/5</a:t>
             </a:fld>
             <a:endParaRPr lang="zh-TW" altLang="en-US"/>
           </a:p>
@@ -3353,7 +3353,7 @@
               <a:pPr>
                 <a:defRPr/>
               </a:pPr>
-              <a:t>2017/12/29</a:t>
+              <a:t>2018/1/5</a:t>
             </a:fld>
             <a:endParaRPr lang="zh-TW" altLang="en-US"/>
           </a:p>
@@ -3652,7 +3652,7 @@
               <a:pPr>
                 <a:defRPr/>
               </a:pPr>
-              <a:t>2017/12/29</a:t>
+              <a:t>2018/1/5</a:t>
             </a:fld>
             <a:endParaRPr lang="zh-TW" altLang="en-US"/>
           </a:p>
@@ -3930,7 +3930,7 @@
               <a:pPr>
                 <a:defRPr/>
               </a:pPr>
-              <a:t>2017/12/29</a:t>
+              <a:t>2018/1/5</a:t>
             </a:fld>
             <a:endParaRPr lang="zh-TW" altLang="en-US"/>
           </a:p>
@@ -4189,7 +4189,7 @@
               <a:pPr>
                 <a:defRPr/>
               </a:pPr>
-              <a:t>2017/12/29</a:t>
+              <a:t>2018/1/5</a:t>
             </a:fld>
             <a:endParaRPr lang="zh-TW" altLang="en-US"/>
           </a:p>
@@ -4808,7 +4808,7 @@
         <p:spPr bwMode="auto">
           <a:xfrm>
             <a:off x="0" y="4559301"/>
-            <a:ext cx="4427538" cy="584775"/>
+            <a:ext cx="3851920" cy="584775"/>
           </a:xfrm>
           <a:prstGeom prst="rect">
             <a:avLst/>
@@ -4822,13 +4822,13 @@
           </a:ln>
         </p:spPr>
         <p:txBody>
-          <a:bodyPr>
+          <a:bodyPr wrap="square">
             <a:spAutoFit/>
           </a:bodyPr>
           <a:lstStyle/>
           <a:p>
             <a:r>
-              <a:rPr kumimoji="0" lang="zh-TW" altLang="en-US" sz="3200" b="1" dirty="0">
+              <a:rPr kumimoji="0" lang="zh-TW" altLang="en-US" sz="3200" b="1">
                 <a:solidFill>
                   <a:srgbClr val="0070C0"/>
                 </a:solidFill>
@@ -4836,10 +4836,10 @@
                 <a:ea typeface="標楷體" pitchFamily="65" charset="-120"/>
                 <a:cs typeface="Times New Roman" pitchFamily="18" charset="0"/>
               </a:rPr>
-              <a:t>日期：</a:t>
-            </a:r>
-            <a:r>
-              <a:rPr kumimoji="0" lang="en-US" altLang="zh-TW" sz="3200" b="1" dirty="0">
+              <a:t>日期</a:t>
+            </a:r>
+            <a:r>
+              <a:rPr kumimoji="0" lang="zh-TW" altLang="en-US" sz="3200" b="1" smtClean="0">
                 <a:solidFill>
                   <a:srgbClr val="0070C0"/>
                 </a:solidFill>
@@ -4847,62 +4847,7 @@
                 <a:ea typeface="標楷體" pitchFamily="65" charset="-120"/>
                 <a:cs typeface="Times New Roman" pitchFamily="18" charset="0"/>
               </a:rPr>
-              <a:t>2017</a:t>
-            </a:r>
-            <a:r>
-              <a:rPr kumimoji="0" lang="zh-TW" altLang="en-US" sz="3200" b="1" dirty="0" smtClean="0">
-                <a:solidFill>
-                  <a:srgbClr val="0070C0"/>
-                </a:solidFill>
-                <a:latin typeface="標楷體" pitchFamily="65" charset="-120"/>
-                <a:ea typeface="標楷體" pitchFamily="65" charset="-120"/>
-                <a:cs typeface="Times New Roman" pitchFamily="18" charset="0"/>
-              </a:rPr>
-              <a:t>年</a:t>
-            </a:r>
-            <a:r>
-              <a:rPr kumimoji="0" lang="en-US" altLang="zh-TW" sz="3200" b="1" dirty="0" smtClean="0">
-                <a:solidFill>
-                  <a:srgbClr val="0070C0"/>
-                </a:solidFill>
-                <a:latin typeface="標楷體" pitchFamily="65" charset="-120"/>
-                <a:ea typeface="標楷體" pitchFamily="65" charset="-120"/>
-                <a:cs typeface="Times New Roman" pitchFamily="18" charset="0"/>
-              </a:rPr>
-              <a:t>12</a:t>
-            </a:r>
-            <a:r>
-              <a:rPr kumimoji="0" lang="zh-TW" altLang="en-US" sz="3200" b="1" dirty="0" smtClean="0">
-                <a:solidFill>
-                  <a:srgbClr val="0070C0"/>
-                </a:solidFill>
-                <a:latin typeface="標楷體" pitchFamily="65" charset="-120"/>
-                <a:ea typeface="標楷體" pitchFamily="65" charset="-120"/>
-                <a:cs typeface="Times New Roman" pitchFamily="18" charset="0"/>
-              </a:rPr>
-              <a:t>月</a:t>
-            </a:r>
-            <a:r>
-              <a:rPr kumimoji="0" lang="en-US" altLang="zh-TW" sz="3200" b="1" dirty="0" smtClean="0">
-                <a:solidFill>
-                  <a:srgbClr val="0070C0"/>
-                </a:solidFill>
-                <a:latin typeface="標楷體" pitchFamily="65" charset="-120"/>
-                <a:ea typeface="標楷體" pitchFamily="65" charset="-120"/>
-                <a:cs typeface="Times New Roman" pitchFamily="18" charset="0"/>
-              </a:rPr>
-              <a:t>22</a:t>
-            </a:r>
-            <a:r>
-              <a:rPr kumimoji="0" lang="zh-TW" altLang="en-US" sz="3200" b="1" dirty="0" smtClean="0">
-                <a:solidFill>
-                  <a:srgbClr val="0070C0"/>
-                </a:solidFill>
-                <a:latin typeface="標楷體" pitchFamily="65" charset="-120"/>
-                <a:ea typeface="標楷體" pitchFamily="65" charset="-120"/>
-                <a:cs typeface="Times New Roman" pitchFamily="18" charset="0"/>
-              </a:rPr>
-              <a:t>日</a:t>
+              <a:t>：</a:t>
             </a:r>
             <a:endParaRPr kumimoji="0" lang="en-US" altLang="zh-TW" sz="3200" b="1" dirty="0" smtClean="0">
               <a:solidFill>
@@ -4925,8 +4870,8 @@
         </p:nvSpPr>
         <p:spPr bwMode="auto">
           <a:xfrm>
-            <a:off x="7034914" y="4559301"/>
-            <a:ext cx="1337226" cy="523220"/>
+            <a:off x="6372226" y="4559301"/>
+            <a:ext cx="2664270" cy="523220"/>
           </a:xfrm>
           <a:prstGeom prst="rect">
             <a:avLst/>
@@ -4940,7 +4885,7 @@
           </a:ln>
         </p:spPr>
         <p:txBody>
-          <a:bodyPr wrap="none">
+          <a:bodyPr wrap="square">
             <a:spAutoFit/>
           </a:bodyPr>
           <a:lstStyle/>
@@ -4967,7 +4912,7 @@
               <a:t>人</a:t>
             </a:r>
             <a:r>
-              <a:rPr kumimoji="0" lang="en-US" altLang="zh-TW" sz="2800" b="1" smtClean="0">
+              <a:rPr kumimoji="0" lang="en-US" altLang="zh-TW" sz="2800" b="1" dirty="0" smtClean="0">
                 <a:solidFill>
                   <a:srgbClr val="0070C0"/>
                 </a:solidFill>
@@ -4976,13 +4921,6 @@
               </a:rPr>
               <a:t>:</a:t>
             </a:r>
-            <a:endParaRPr kumimoji="0" lang="en-US" altLang="zh-TW" sz="2800" b="1" dirty="0" smtClean="0">
-              <a:solidFill>
-                <a:srgbClr val="0070C0"/>
-              </a:solidFill>
-              <a:latin typeface="標楷體" pitchFamily="65" charset="-120"/>
-              <a:ea typeface="標楷體" pitchFamily="65" charset="-120"/>
-            </a:endParaRPr>
           </a:p>
         </p:txBody>
       </p:sp>
